--- a/Potential churners_EzgiNazman.pptx
+++ b/Potential churners_EzgiNazman.pptx
@@ -21,14 +21,14 @@
   <p:notesSz cx="6858000" cy="9144000"/>
   <p:embeddedFontLst>
     <p:embeddedFont>
-      <p:font typeface="Lato" panose="020B0604020202020204" charset="-94"/>
+      <p:font typeface="Raleway" panose="020B0604020202020204" charset="-94"/>
       <p:regular r:id="rId11"/>
       <p:bold r:id="rId12"/>
       <p:italic r:id="rId13"/>
       <p:boldItalic r:id="rId14"/>
     </p:embeddedFont>
     <p:embeddedFont>
-      <p:font typeface="Raleway" panose="020B0604020202020204" charset="-94"/>
+      <p:font typeface="Lato" panose="020B0604020202020204" charset="-94"/>
       <p:regular r:id="rId15"/>
       <p:bold r:id="rId16"/>
       <p:italic r:id="rId17"/>
@@ -753,7 +753,7 @@
         </p:nvSpPr>
         <p:spPr>
           <a:xfrm>
-            <a:off x="381300" y="685800"/>
+            <a:off x="381000" y="685800"/>
             <a:ext cx="6096000" cy="3429000"/>
           </a:xfrm>
           <a:custGeom>
@@ -857,7 +857,7 @@
         </p:nvSpPr>
         <p:spPr>
           <a:xfrm>
-            <a:off x="381300" y="685800"/>
+            <a:off x="381000" y="685800"/>
             <a:ext cx="6096000" cy="3429000"/>
           </a:xfrm>
           <a:custGeom>
@@ -961,7 +961,7 @@
         </p:nvSpPr>
         <p:spPr>
           <a:xfrm>
-            <a:off x="381300" y="685800"/>
+            <a:off x="381000" y="685800"/>
             <a:ext cx="6096000" cy="3429000"/>
           </a:xfrm>
           <a:custGeom>
@@ -1169,7 +1169,7 @@
         </p:nvSpPr>
         <p:spPr>
           <a:xfrm>
-            <a:off x="381300" y="685800"/>
+            <a:off x="381000" y="685800"/>
             <a:ext cx="6096000" cy="3429000"/>
           </a:xfrm>
           <a:custGeom>
@@ -1377,7 +1377,7 @@
         </p:nvSpPr>
         <p:spPr>
           <a:xfrm>
-            <a:off x="381300" y="685800"/>
+            <a:off x="381000" y="685800"/>
             <a:ext cx="6096000" cy="3429000"/>
           </a:xfrm>
           <a:custGeom>
@@ -1481,7 +1481,7 @@
         </p:nvSpPr>
         <p:spPr>
           <a:xfrm>
-            <a:off x="381300" y="685800"/>
+            <a:off x="381000" y="685800"/>
             <a:ext cx="6096000" cy="3429000"/>
           </a:xfrm>
           <a:custGeom>
@@ -7610,8 +7610,8 @@
         </p:nvSpPr>
         <p:spPr>
           <a:xfrm>
-            <a:off x="184975" y="122025"/>
-            <a:ext cx="8654400" cy="707100"/>
+            <a:off x="184974" y="122025"/>
+            <a:ext cx="8790859" cy="707100"/>
           </a:xfrm>
           <a:prstGeom prst="rect">
             <a:avLst/>
@@ -7633,10 +7633,10 @@
               <a:buNone/>
             </a:pPr>
             <a:r>
-              <a:rPr lang="en" sz="3600"/>
+              <a:rPr lang="en" sz="3600" dirty="0"/>
               <a:t>Which customers are less/more loyal?</a:t>
             </a:r>
-            <a:endParaRPr sz="3600"/>
+            <a:endParaRPr sz="3600" dirty="0"/>
           </a:p>
         </p:txBody>
       </p:sp>
@@ -9782,21 +9782,43 @@
               <a:t>Age </a:t>
             </a:r>
             <a:r>
-              <a:rPr lang="en" sz="1600" dirty="0"/>
+              <a:rPr lang="en" sz="1600" dirty="0" smtClean="0"/>
               <a:t>25-65</a:t>
             </a:r>
             <a:endParaRPr sz="1600" dirty="0"/>
           </a:p>
           <a:p>
-            <a:pPr marL="0" lvl="0" indent="0" algn="l" rtl="0">
-              <a:spcBef>
-                <a:spcPts val="1200"/>
-              </a:spcBef>
-              <a:spcAft>
-                <a:spcPts val="0"/>
-              </a:spcAft>
-              <a:buNone/>
+            <a:pPr marL="457200" lvl="0" indent="-330200">
+              <a:buClr>
+                <a:srgbClr val="FFFFFF"/>
+              </a:buClr>
+              <a:buSzPts val="1600"/>
+              <a:buFont typeface="Raleway"/>
+              <a:buChar char="●"/>
             </a:pPr>
+            <a:r>
+              <a:rPr lang="tr-TR" sz="1600" dirty="0" smtClean="0">
+                <a:solidFill>
+                  <a:srgbClr val="FFFFFF"/>
+                </a:solidFill>
+              </a:rPr>
+              <a:t>Has Credit Card</a:t>
+            </a:r>
+            <a:r>
+              <a:rPr lang="tr-TR" sz="1600" dirty="0">
+                <a:solidFill>
+                  <a:srgbClr val="FFFFFF"/>
+                </a:solidFill>
+              </a:rPr>
+              <a:t/>
+            </a:r>
+            <a:br>
+              <a:rPr lang="tr-TR" sz="1600" dirty="0">
+                <a:solidFill>
+                  <a:srgbClr val="FFFFFF"/>
+                </a:solidFill>
+              </a:rPr>
+            </a:br>
             <a:endParaRPr sz="1600" dirty="0"/>
           </a:p>
           <a:p>
@@ -9846,8 +9868,8 @@
         </p:nvSpPr>
         <p:spPr>
           <a:xfrm>
-            <a:off x="4747400" y="2001950"/>
-            <a:ext cx="4136700" cy="2649000"/>
+            <a:off x="5101700" y="2001950"/>
+            <a:ext cx="3782400" cy="2649000"/>
           </a:xfrm>
           <a:prstGeom prst="wedgeRectCallout">
             <a:avLst>
@@ -9935,8 +9957,8 @@
         </p:nvSpPr>
         <p:spPr>
           <a:xfrm>
-            <a:off x="4747400" y="2001950"/>
-            <a:ext cx="4296600" cy="2649000"/>
+            <a:off x="5101700" y="2001950"/>
+            <a:ext cx="3942300" cy="2649000"/>
           </a:xfrm>
           <a:prstGeom prst="rect">
             <a:avLst/>
@@ -10007,15 +10029,37 @@
             <a:endParaRPr sz="1600" dirty="0" smtClean="0"/>
           </a:p>
           <a:p>
-            <a:pPr marL="0" lvl="0" indent="0" algn="l" rtl="0">
-              <a:spcBef>
-                <a:spcPts val="1200"/>
-              </a:spcBef>
-              <a:spcAft>
-                <a:spcPts val="0"/>
-              </a:spcAft>
-              <a:buNone/>
+            <a:pPr marL="457200" lvl="0" indent="-330200">
+              <a:buClr>
+                <a:srgbClr val="FFFFFF"/>
+              </a:buClr>
+              <a:buSzPts val="1600"/>
+              <a:buFont typeface="Raleway"/>
+              <a:buChar char="●"/>
             </a:pPr>
+            <a:r>
+              <a:rPr lang="tr-TR" sz="1600" dirty="0" smtClean="0">
+                <a:solidFill>
+                  <a:srgbClr val="FFFFFF"/>
+                </a:solidFill>
+              </a:rPr>
+              <a:t>Active member</a:t>
+            </a:r>
+            <a:r>
+              <a:rPr lang="tr-TR" sz="1600" dirty="0">
+                <a:solidFill>
+                  <a:srgbClr val="FFFFFF"/>
+                </a:solidFill>
+              </a:rPr>
+              <a:t/>
+            </a:r>
+            <a:br>
+              <a:rPr lang="tr-TR" sz="1600" dirty="0">
+                <a:solidFill>
+                  <a:srgbClr val="FFFFFF"/>
+                </a:solidFill>
+              </a:rPr>
+            </a:br>
             <a:endParaRPr sz="1600" dirty="0"/>
           </a:p>
           <a:p>

--- a/Potential churners_EzgiNazman.pptx
+++ b/Potential churners_EzgiNazman.pptx
@@ -21,14 +21,14 @@
   <p:notesSz cx="6858000" cy="9144000"/>
   <p:embeddedFontLst>
     <p:embeddedFont>
-      <p:font typeface="Raleway" panose="020B0604020202020204" charset="-94"/>
+      <p:font typeface="Lato" panose="020B0604020202020204" charset="-94"/>
       <p:regular r:id="rId11"/>
       <p:bold r:id="rId12"/>
       <p:italic r:id="rId13"/>
       <p:boldItalic r:id="rId14"/>
     </p:embeddedFont>
     <p:embeddedFont>
-      <p:font typeface="Lato" panose="020B0604020202020204" charset="-94"/>
+      <p:font typeface="Raleway" panose="020B0604020202020204" charset="-94"/>
       <p:regular r:id="rId15"/>
       <p:bold r:id="rId16"/>
       <p:italic r:id="rId17"/>
@@ -7634,7 +7634,23 @@
             </a:pPr>
             <a:r>
               <a:rPr lang="en" sz="3600" dirty="0"/>
-              <a:t>Which customers are less/more loyal?</a:t>
+              <a:t>Which customers are </a:t>
+            </a:r>
+            <a:r>
+              <a:rPr lang="en" sz="3600" dirty="0" smtClean="0"/>
+              <a:t>less</a:t>
+            </a:r>
+            <a:r>
+              <a:rPr lang="tr-TR" sz="3600" dirty="0" smtClean="0"/>
+              <a:t>&amp;</a:t>
+            </a:r>
+            <a:r>
+              <a:rPr lang="en" sz="3600" dirty="0" smtClean="0"/>
+              <a:t>more </a:t>
+            </a:r>
+            <a:r>
+              <a:rPr lang="en" sz="3600" dirty="0"/>
+              <a:t>loyal?</a:t>
             </a:r>
             <a:endParaRPr sz="3600" dirty="0"/>
           </a:p>
@@ -8507,7 +8523,7 @@
               </a:spcAft>
               <a:buNone/>
             </a:pPr>
-            <a:endParaRPr sz="1800"/>
+            <a:endParaRPr sz="1800" dirty="0"/>
           </a:p>
           <a:p>
             <a:pPr marL="0" lvl="0" indent="0" algn="ctr" rtl="0">
@@ -8520,10 +8536,10 @@
               <a:buNone/>
             </a:pPr>
             <a:r>
-              <a:rPr lang="en" sz="1800"/>
+              <a:rPr lang="en" sz="1800" dirty="0"/>
               <a:t>Specify potential factors which affect on churn decision</a:t>
             </a:r>
-            <a:endParaRPr sz="1800"/>
+            <a:endParaRPr sz="1800" dirty="0"/>
           </a:p>
         </p:txBody>
       </p:sp>
@@ -8604,7 +8620,7 @@
               </a:spcAft>
               <a:buNone/>
             </a:pPr>
-            <a:endParaRPr sz="1800"/>
+            <a:endParaRPr sz="1800" dirty="0"/>
           </a:p>
           <a:p>
             <a:pPr marL="0" lvl="0" indent="0" algn="ctr" rtl="0">
@@ -8617,10 +8633,10 @@
               <a:buNone/>
             </a:pPr>
             <a:r>
-              <a:rPr lang="en" sz="1800"/>
+              <a:rPr lang="en" sz="1800" dirty="0"/>
               <a:t>Determine potential customers who tend to churn</a:t>
             </a:r>
-            <a:endParaRPr sz="1800"/>
+            <a:endParaRPr sz="1800" dirty="0"/>
           </a:p>
         </p:txBody>
       </p:sp>
@@ -8664,7 +8680,7 @@
               <a:buNone/>
             </a:pPr>
             <a:r>
-              <a:rPr lang="en" sz="1800" b="1">
+              <a:rPr lang="en" sz="1800" b="1" dirty="0">
                 <a:solidFill>
                   <a:srgbClr val="FFFFFF"/>
                 </a:solidFill>
@@ -8675,7 +8691,7 @@
               </a:rPr>
               <a:t> Identify loyalty degree of the customers</a:t>
             </a:r>
-            <a:endParaRPr sz="1800" b="1">
+            <a:endParaRPr sz="1800" b="1" dirty="0">
               <a:solidFill>
                 <a:srgbClr val="FFFFFF"/>
               </a:solidFill>
@@ -8763,7 +8779,7 @@
         </p:blipFill>
         <p:spPr>
           <a:xfrm>
-            <a:off x="79084" y="684675"/>
+            <a:off x="471138" y="684675"/>
             <a:ext cx="1944725" cy="1818750"/>
           </a:xfrm>
           <a:prstGeom prst="rect">
@@ -8849,35 +8865,8 @@
         </p:blipFill>
         <p:spPr>
           <a:xfrm>
-            <a:off x="3373821" y="847763"/>
+            <a:off x="3103753" y="812025"/>
             <a:ext cx="2442145" cy="1691400"/>
-          </a:xfrm>
-          <a:prstGeom prst="rect">
-            <a:avLst/>
-          </a:prstGeom>
-          <a:noFill/>
-          <a:ln>
-            <a:noFill/>
-          </a:ln>
-        </p:spPr>
-      </p:pic>
-      <p:pic>
-        <p:nvPicPr>
-          <p:cNvPr id="103" name="Google Shape;103;p16"/>
-          <p:cNvPicPr preferRelativeResize="0"/>
-          <p:nvPr/>
-        </p:nvPicPr>
-        <p:blipFill rotWithShape="1">
-          <a:blip r:embed="rId6">
-            <a:alphaModFix/>
-          </a:blip>
-          <a:srcRect/>
-          <a:stretch/>
-        </p:blipFill>
-        <p:spPr>
-          <a:xfrm>
-            <a:off x="7021237" y="684675"/>
-            <a:ext cx="1793932" cy="1691400"/>
           </a:xfrm>
           <a:prstGeom prst="rect">
             <a:avLst/>
@@ -8895,7 +8884,7 @@
           <p:nvPr/>
         </p:nvPicPr>
         <p:blipFill>
-          <a:blip r:embed="rId7">
+          <a:blip r:embed="rId6">
             <a:alphaModFix/>
           </a:blip>
           <a:stretch>
@@ -8914,6 +8903,36 @@
           <a:ln>
             <a:noFill/>
           </a:ln>
+        </p:spPr>
+      </p:pic>
+      <p:pic>
+        <p:nvPicPr>
+          <p:cNvPr id="5" name="Resim 4"/>
+          <p:cNvPicPr>
+            <a:picLocks noChangeAspect="1"/>
+          </p:cNvPicPr>
+          <p:nvPr/>
+        </p:nvPicPr>
+        <p:blipFill>
+          <a:blip r:embed="rId7">
+            <a:extLst>
+              <a:ext uri="{28A0092B-C50C-407E-A947-70E740481C1C}">
+                <a14:useLocalDpi xmlns:a14="http://schemas.microsoft.com/office/drawing/2010/main" val="0"/>
+              </a:ext>
+            </a:extLst>
+          </a:blip>
+          <a:stretch>
+            <a:fillRect/>
+          </a:stretch>
+        </p:blipFill>
+        <p:spPr>
+          <a:xfrm>
+            <a:off x="6032239" y="684675"/>
+            <a:ext cx="2868503" cy="2090056"/>
+          </a:xfrm>
+          <a:prstGeom prst="rect">
+            <a:avLst/>
+          </a:prstGeom>
         </p:spPr>
       </p:pic>
     </p:spTree>
@@ -9041,7 +9060,7 @@
                             </p:stCondLst>
                             <p:childTnLst>
                               <p:par>
-                                <p:cTn id="12" presetID="42" presetClass="entr" presetSubtype="0" fill="hold" nodeType="clickEffect">
+                                <p:cTn id="12" presetID="1" presetClass="entr" presetSubtype="0" fill="hold" nodeType="clickEffect">
                                   <p:stCondLst>
                                     <p:cond delay="0"/>
                                   </p:stCondLst>
@@ -9054,7 +9073,52 @@
                                           </p:stCondLst>
                                         </p:cTn>
                                         <p:tgtEl>
-                                          <p:spTgt spid="103"/>
+                                          <p:spTgt spid="102"/>
+                                        </p:tgtEl>
+                                        <p:attrNameLst>
+                                          <p:attrName>style.visibility</p:attrName>
+                                        </p:attrNameLst>
+                                      </p:cBhvr>
+                                      <p:to>
+                                        <p:strVal val="visible"/>
+                                      </p:to>
+                                    </p:set>
+                                  </p:childTnLst>
+                                </p:cTn>
+                              </p:par>
+                            </p:childTnLst>
+                          </p:cTn>
+                        </p:par>
+                      </p:childTnLst>
+                    </p:cTn>
+                  </p:par>
+                  <p:par>
+                    <p:cTn id="14" fill="hold">
+                      <p:stCondLst>
+                        <p:cond delay="indefinite"/>
+                      </p:stCondLst>
+                      <p:childTnLst>
+                        <p:par>
+                          <p:cTn id="15" fill="hold">
+                            <p:stCondLst>
+                              <p:cond delay="0"/>
+                            </p:stCondLst>
+                            <p:childTnLst>
+                              <p:par>
+                                <p:cTn id="16" presetID="42" presetClass="entr" presetSubtype="0" fill="hold" nodeType="clickEffect">
+                                  <p:stCondLst>
+                                    <p:cond delay="0"/>
+                                  </p:stCondLst>
+                                  <p:childTnLst>
+                                    <p:set>
+                                      <p:cBhvr>
+                                        <p:cTn id="17" dur="1" fill="hold">
+                                          <p:stCondLst>
+                                            <p:cond delay="0"/>
+                                          </p:stCondLst>
+                                        </p:cTn>
+                                        <p:tgtEl>
+                                          <p:spTgt spid="5"/>
                                         </p:tgtEl>
                                         <p:attrNameLst>
                                           <p:attrName>style.visibility</p:attrName>
@@ -9066,17 +9130,17 @@
                                     </p:set>
                                     <p:animEffect transition="in" filter="fade">
                                       <p:cBhvr>
-                                        <p:cTn id="14" dur="1000"/>
+                                        <p:cTn id="18" dur="1000"/>
                                         <p:tgtEl>
-                                          <p:spTgt spid="103"/>
+                                          <p:spTgt spid="5"/>
                                         </p:tgtEl>
                                       </p:cBhvr>
                                     </p:animEffect>
                                     <p:anim calcmode="lin" valueType="num">
                                       <p:cBhvr>
-                                        <p:cTn id="15" dur="1000" fill="hold"/>
+                                        <p:cTn id="19" dur="1000" fill="hold"/>
                                         <p:tgtEl>
-                                          <p:spTgt spid="103"/>
+                                          <p:spTgt spid="5"/>
                                         </p:tgtEl>
                                         <p:attrNameLst>
                                           <p:attrName>ppt_x</p:attrName>
@@ -9097,9 +9161,9 @@
                                     </p:anim>
                                     <p:anim calcmode="lin" valueType="num">
                                       <p:cBhvr>
-                                        <p:cTn id="16" dur="1000" fill="hold"/>
+                                        <p:cTn id="20" dur="1000" fill="hold"/>
                                         <p:tgtEl>
-                                          <p:spTgt spid="103"/>
+                                          <p:spTgt spid="5"/>
                                         </p:tgtEl>
                                         <p:attrNameLst>
                                           <p:attrName>ppt_y</p:attrName>
@@ -9118,51 +9182,6 @@
                                         </p:tav>
                                       </p:tavLst>
                                     </p:anim>
-                                  </p:childTnLst>
-                                </p:cTn>
-                              </p:par>
-                            </p:childTnLst>
-                          </p:cTn>
-                        </p:par>
-                      </p:childTnLst>
-                    </p:cTn>
-                  </p:par>
-                  <p:par>
-                    <p:cTn id="17" fill="hold">
-                      <p:stCondLst>
-                        <p:cond delay="indefinite"/>
-                      </p:stCondLst>
-                      <p:childTnLst>
-                        <p:par>
-                          <p:cTn id="18" fill="hold">
-                            <p:stCondLst>
-                              <p:cond delay="0"/>
-                            </p:stCondLst>
-                            <p:childTnLst>
-                              <p:par>
-                                <p:cTn id="19" presetID="1" presetClass="entr" presetSubtype="0" fill="hold" nodeType="clickEffect">
-                                  <p:stCondLst>
-                                    <p:cond delay="0"/>
-                                  </p:stCondLst>
-                                  <p:childTnLst>
-                                    <p:set>
-                                      <p:cBhvr>
-                                        <p:cTn id="20" dur="1" fill="hold">
-                                          <p:stCondLst>
-                                            <p:cond delay="0"/>
-                                          </p:stCondLst>
-                                        </p:cTn>
-                                        <p:tgtEl>
-                                          <p:spTgt spid="102"/>
-                                        </p:tgtEl>
-                                        <p:attrNameLst>
-                                          <p:attrName>style.visibility</p:attrName>
-                                        </p:attrNameLst>
-                                      </p:cBhvr>
-                                      <p:to>
-                                        <p:strVal val="visible"/>
-                                      </p:to>
-                                    </p:set>
                                   </p:childTnLst>
                                 </p:cTn>
                               </p:par>
@@ -9779,11 +9798,7 @@
             </a:pPr>
             <a:r>
               <a:rPr lang="en" sz="1600" dirty="0" smtClean="0"/>
-              <a:t>Age </a:t>
-            </a:r>
-            <a:r>
-              <a:rPr lang="en" sz="1600" dirty="0" smtClean="0"/>
-              <a:t>25-65</a:t>
+              <a:t>Age 25-65</a:t>
             </a:r>
             <a:endParaRPr sz="1600" dirty="0"/>
           </a:p>
@@ -10074,10 +10089,10 @@
             </a:pPr>
             <a:r>
               <a:rPr lang="en" sz="1600" dirty="0"/>
-              <a:t>           </a:t>
+              <a:t>          </a:t>
             </a:r>
             <a:r>
-              <a:rPr lang="en" sz="1600" u="sng" dirty="0"/>
+              <a:rPr lang="en" sz="1600" u="sng" dirty="0" smtClean="0"/>
               <a:t>Spain</a:t>
             </a:r>
             <a:endParaRPr sz="1600" u="sng" dirty="0"/>
@@ -10322,7 +10337,7 @@
               <a:buChar char="●"/>
             </a:pPr>
             <a:r>
-              <a:rPr lang="en" sz="1600">
+              <a:rPr lang="en" sz="1600" dirty="0">
                 <a:solidFill>
                   <a:srgbClr val="FFFFFF"/>
                 </a:solidFill>
@@ -10330,7 +10345,7 @@
               <a:t>How are the</a:t>
             </a:r>
             <a:r>
-              <a:rPr lang="en" sz="1600">
+              <a:rPr lang="en" sz="1600" dirty="0">
                 <a:solidFill>
                   <a:schemeClr val="dk1"/>
                 </a:solidFill>
@@ -10338,7 +10353,7 @@
               <a:t> negative, </a:t>
             </a:r>
             <a:r>
-              <a:rPr lang="en" sz="1600">
+              <a:rPr lang="en" sz="1600" dirty="0">
                 <a:solidFill>
                   <a:srgbClr val="FFFFFF"/>
                 </a:solidFill>
@@ -10346,7 +10361,7 @@
               <a:t>zero and positive balance</a:t>
             </a:r>
             <a:r>
-              <a:rPr lang="en" sz="1600">
+              <a:rPr lang="en" sz="1600" dirty="0">
                 <a:solidFill>
                   <a:schemeClr val="dk1"/>
                 </a:solidFill>
@@ -10354,7 +10369,7 @@
               <a:t> </a:t>
             </a:r>
             <a:r>
-              <a:rPr lang="en" sz="1600"/>
+              <a:rPr lang="en" sz="1600" dirty="0"/>
               <a:t>effect? </a:t>
             </a:r>
             <a:endParaRPr sz="1600" dirty="0"/>

--- a/Potential churners_EzgiNazman.pptx
+++ b/Potential churners_EzgiNazman.pptx
@@ -7610,8 +7610,8 @@
         </p:nvSpPr>
         <p:spPr>
           <a:xfrm>
-            <a:off x="184974" y="122025"/>
-            <a:ext cx="8790859" cy="707100"/>
+            <a:off x="107975" y="122025"/>
+            <a:ext cx="9036024" cy="707100"/>
           </a:xfrm>
           <a:prstGeom prst="rect">
             <a:avLst/>
@@ -7633,26 +7633,30 @@
               <a:buNone/>
             </a:pPr>
             <a:r>
-              <a:rPr lang="en" sz="3600" dirty="0"/>
+              <a:rPr lang="en" sz="3200" dirty="0"/>
               <a:t>Which customers are </a:t>
             </a:r>
             <a:r>
-              <a:rPr lang="en" sz="3600" dirty="0" smtClean="0"/>
+              <a:rPr lang="en" sz="3200" dirty="0" smtClean="0"/>
               <a:t>less</a:t>
             </a:r>
             <a:r>
-              <a:rPr lang="tr-TR" sz="3600" dirty="0" smtClean="0"/>
-              <a:t>&amp;</a:t>
+              <a:rPr lang="tr-TR" sz="3200" dirty="0"/>
+              <a:t> </a:t>
             </a:r>
             <a:r>
-              <a:rPr lang="en" sz="3600" dirty="0" smtClean="0"/>
+              <a:rPr lang="tr-TR" sz="3200" dirty="0" smtClean="0"/>
+              <a:t>or </a:t>
+            </a:r>
+            <a:r>
+              <a:rPr lang="en" sz="3200" dirty="0" smtClean="0"/>
               <a:t>more </a:t>
             </a:r>
             <a:r>
-              <a:rPr lang="en" sz="3600" dirty="0"/>
+              <a:rPr lang="en" sz="3200" dirty="0"/>
               <a:t>loyal?</a:t>
             </a:r>
-            <a:endParaRPr sz="3600" dirty="0"/>
+            <a:endParaRPr sz="3200" dirty="0"/>
           </a:p>
         </p:txBody>
       </p:sp>
@@ -7734,10 +7738,10 @@
               <a:buNone/>
             </a:pPr>
             <a:r>
-              <a:rPr lang="en" sz="2300"/>
+              <a:rPr lang="en" sz="2000" dirty="0"/>
               <a:t>Ezgi Nazman</a:t>
             </a:r>
-            <a:endParaRPr sz="2300" b="1"/>
+            <a:endParaRPr sz="2000" b="1" dirty="0"/>
           </a:p>
         </p:txBody>
       </p:sp>
@@ -9798,7 +9802,15 @@
             </a:pPr>
             <a:r>
               <a:rPr lang="en" sz="1600" dirty="0" smtClean="0"/>
-              <a:t>Age 25-65</a:t>
+              <a:t>Age </a:t>
+            </a:r>
+            <a:r>
+              <a:rPr lang="en" sz="1600" dirty="0" smtClean="0"/>
+              <a:t>25-6</a:t>
+            </a:r>
+            <a:r>
+              <a:rPr lang="tr-TR" sz="1600" smtClean="0"/>
+              <a:t>4</a:t>
             </a:r>
             <a:endParaRPr sz="1600" dirty="0"/>
           </a:p>
@@ -10035,7 +10047,15 @@
             </a:r>
             <a:r>
               <a:rPr lang="en" sz="1600" dirty="0" smtClean="0"/>
-              <a:t>&gt; </a:t>
+              <a:t>&gt;</a:t>
+            </a:r>
+            <a:r>
+              <a:rPr lang="tr-TR" sz="1600" dirty="0" smtClean="0"/>
+              <a:t>=</a:t>
+            </a:r>
+            <a:r>
+              <a:rPr lang="en" sz="1600" dirty="0" smtClean="0"/>
+              <a:t> </a:t>
             </a:r>
             <a:r>
               <a:rPr lang="tr-TR" sz="1600" dirty="0" smtClean="0"/>
@@ -10555,6 +10575,13 @@
   <p:clrMapOvr>
     <a:masterClrMapping/>
   </p:clrMapOvr>
+  <p:timing>
+    <p:tnLst>
+      <p:par>
+        <p:cTn id="1" dur="indefinite" restart="never" nodeType="tmRoot"/>
+      </p:par>
+    </p:tnLst>
+  </p:timing>
 </p:sld>
 </file>
 

--- a/Potential churners_EzgiNazman.pptx
+++ b/Potential churners_EzgiNazman.pptx
@@ -21,14 +21,14 @@
   <p:notesSz cx="6858000" cy="9144000"/>
   <p:embeddedFontLst>
     <p:embeddedFont>
-      <p:font typeface="Lato" panose="020B0604020202020204" charset="-94"/>
+      <p:font typeface="Raleway" panose="020B0604020202020204" charset="-94"/>
       <p:regular r:id="rId11"/>
       <p:bold r:id="rId12"/>
       <p:italic r:id="rId13"/>
       <p:boldItalic r:id="rId14"/>
     </p:embeddedFont>
     <p:embeddedFont>
-      <p:font typeface="Raleway" panose="020B0604020202020204" charset="-94"/>
+      <p:font typeface="Lato" panose="020B0604020202020204" charset="-94"/>
       <p:regular r:id="rId15"/>
       <p:bold r:id="rId16"/>
       <p:italic r:id="rId17"/>
@@ -7645,8 +7645,12 @@
               <a:t> </a:t>
             </a:r>
             <a:r>
+              <a:rPr lang="tr-TR" sz="3200" dirty="0" err="1" smtClean="0"/>
+              <a:t>or</a:t>
+            </a:r>
+            <a:r>
               <a:rPr lang="tr-TR" sz="3200" dirty="0" smtClean="0"/>
-              <a:t>or </a:t>
+              <a:t> </a:t>
             </a:r>
             <a:r>
               <a:rPr lang="en" sz="3200" dirty="0" smtClean="0"/>
@@ -9802,11 +9806,7 @@
             </a:pPr>
             <a:r>
               <a:rPr lang="en" sz="1600" dirty="0" smtClean="0"/>
-              <a:t>Age </a:t>
-            </a:r>
-            <a:r>
-              <a:rPr lang="en" sz="1600" dirty="0" smtClean="0"/>
-              <a:t>25-6</a:t>
+              <a:t>Age 25-6</a:t>
             </a:r>
             <a:r>
               <a:rPr lang="tr-TR" sz="1600" smtClean="0"/>
